--- a/images/images.pptx
+++ b/images/images.pptx
@@ -105,6 +105,11 @@
       </a:defRPr>
     </a:lvl9pPr>
   </p:defaultTextStyle>
+  <p:extLst>
+    <p:ext uri="{EFAFB233-063F-42B5-8137-9DF3F51BA10A}">
+      <p15:sldGuideLst xmlns:p15="http://schemas.microsoft.com/office/powerpoint/2012/main"/>
+    </p:ext>
+  </p:extLst>
 </p:presentation>
 </file>
 
@@ -255,7 +260,7 @@
           <a:p>
             <a:fld id="{AB042602-57F8-7241-843B-95AE051FEA21}" type="datetimeFigureOut">
               <a:rPr lang="en-US" smtClean="0"/>
-              <a:t>9/18/20</a:t>
+              <a:t>9/29/20</a:t>
             </a:fld>
             <a:endParaRPr lang="en-US"/>
           </a:p>
@@ -453,7 +458,7 @@
           <a:p>
             <a:fld id="{AB042602-57F8-7241-843B-95AE051FEA21}" type="datetimeFigureOut">
               <a:rPr lang="en-US" smtClean="0"/>
-              <a:t>9/18/20</a:t>
+              <a:t>9/29/20</a:t>
             </a:fld>
             <a:endParaRPr lang="en-US"/>
           </a:p>
@@ -661,7 +666,7 @@
           <a:p>
             <a:fld id="{AB042602-57F8-7241-843B-95AE051FEA21}" type="datetimeFigureOut">
               <a:rPr lang="en-US" smtClean="0"/>
-              <a:t>9/18/20</a:t>
+              <a:t>9/29/20</a:t>
             </a:fld>
             <a:endParaRPr lang="en-US"/>
           </a:p>
@@ -859,7 +864,7 @@
           <a:p>
             <a:fld id="{AB042602-57F8-7241-843B-95AE051FEA21}" type="datetimeFigureOut">
               <a:rPr lang="en-US" smtClean="0"/>
-              <a:t>9/18/20</a:t>
+              <a:t>9/29/20</a:t>
             </a:fld>
             <a:endParaRPr lang="en-US"/>
           </a:p>
@@ -1134,7 +1139,7 @@
           <a:p>
             <a:fld id="{AB042602-57F8-7241-843B-95AE051FEA21}" type="datetimeFigureOut">
               <a:rPr lang="en-US" smtClean="0"/>
-              <a:t>9/18/20</a:t>
+              <a:t>9/29/20</a:t>
             </a:fld>
             <a:endParaRPr lang="en-US"/>
           </a:p>
@@ -1399,7 +1404,7 @@
           <a:p>
             <a:fld id="{AB042602-57F8-7241-843B-95AE051FEA21}" type="datetimeFigureOut">
               <a:rPr lang="en-US" smtClean="0"/>
-              <a:t>9/18/20</a:t>
+              <a:t>9/29/20</a:t>
             </a:fld>
             <a:endParaRPr lang="en-US"/>
           </a:p>
@@ -1811,7 +1816,7 @@
           <a:p>
             <a:fld id="{AB042602-57F8-7241-843B-95AE051FEA21}" type="datetimeFigureOut">
               <a:rPr lang="en-US" smtClean="0"/>
-              <a:t>9/18/20</a:t>
+              <a:t>9/29/20</a:t>
             </a:fld>
             <a:endParaRPr lang="en-US"/>
           </a:p>
@@ -1952,7 +1957,7 @@
           <a:p>
             <a:fld id="{AB042602-57F8-7241-843B-95AE051FEA21}" type="datetimeFigureOut">
               <a:rPr lang="en-US" smtClean="0"/>
-              <a:t>9/18/20</a:t>
+              <a:t>9/29/20</a:t>
             </a:fld>
             <a:endParaRPr lang="en-US"/>
           </a:p>
@@ -2065,7 +2070,7 @@
           <a:p>
             <a:fld id="{AB042602-57F8-7241-843B-95AE051FEA21}" type="datetimeFigureOut">
               <a:rPr lang="en-US" smtClean="0"/>
-              <a:t>9/18/20</a:t>
+              <a:t>9/29/20</a:t>
             </a:fld>
             <a:endParaRPr lang="en-US"/>
           </a:p>
@@ -2376,7 +2381,7 @@
           <a:p>
             <a:fld id="{AB042602-57F8-7241-843B-95AE051FEA21}" type="datetimeFigureOut">
               <a:rPr lang="en-US" smtClean="0"/>
-              <a:t>9/18/20</a:t>
+              <a:t>9/29/20</a:t>
             </a:fld>
             <a:endParaRPr lang="en-US"/>
           </a:p>
@@ -2664,7 +2669,7 @@
           <a:p>
             <a:fld id="{AB042602-57F8-7241-843B-95AE051FEA21}" type="datetimeFigureOut">
               <a:rPr lang="en-US" smtClean="0"/>
-              <a:t>9/18/20</a:t>
+              <a:t>9/29/20</a:t>
             </a:fld>
             <a:endParaRPr lang="en-US"/>
           </a:p>
@@ -2905,7 +2910,7 @@
           <a:p>
             <a:fld id="{AB042602-57F8-7241-843B-95AE051FEA21}" type="datetimeFigureOut">
               <a:rPr lang="en-US" smtClean="0"/>
-              <a:t>9/18/20</a:t>
+              <a:t>9/29/20</a:t>
             </a:fld>
             <a:endParaRPr lang="en-US"/>
           </a:p>
@@ -4123,6 +4128,46 @@
           </a:prstGeom>
         </p:spPr>
       </p:pic>
+      <p:sp>
+        <p:nvSpPr>
+          <p:cNvPr id="3" name="Rectangle 2">
+            <a:extLst>
+              <a:ext uri="{FF2B5EF4-FFF2-40B4-BE49-F238E27FC236}">
+                <a16:creationId xmlns:a16="http://schemas.microsoft.com/office/drawing/2014/main" id="{C50F3CC6-076D-0B42-B936-FB0B50388F5C}"/>
+              </a:ext>
+            </a:extLst>
+          </p:cNvPr>
+          <p:cNvSpPr/>
+          <p:nvPr/>
+        </p:nvSpPr>
+        <p:spPr>
+          <a:xfrm>
+            <a:off x="2874857" y="6008082"/>
+            <a:ext cx="4485202" cy="369332"/>
+          </a:xfrm>
+          <a:prstGeom prst="rect">
+            <a:avLst/>
+          </a:prstGeom>
+        </p:spPr>
+        <p:txBody>
+          <a:bodyPr wrap="none">
+            <a:spAutoFit/>
+          </a:bodyPr>
+          <a:lstStyle/>
+          <a:p>
+            <a:r>
+              <a:rPr lang="en-US" dirty="0">
+                <a:hlinkClick r:id="rId7"/>
+              </a:rPr>
+              <a:t>https://github.com/keptn-sandbox/alexa-skill</a:t>
+            </a:r>
+            <a:r>
+              <a:rPr lang="en-US" dirty="0"/>
+              <a:t> </a:t>
+            </a:r>
+          </a:p>
+        </p:txBody>
+      </p:sp>
     </p:spTree>
     <p:extLst>
       <p:ext uri="{BB962C8B-B14F-4D97-AF65-F5344CB8AC3E}">
@@ -5014,36 +5059,46 @@
           </a:fontRef>
         </p:style>
       </p:cxnSp>
-      <p:pic>
-        <p:nvPicPr>
-          <p:cNvPr id="9" name="Picture 8">
-            <a:extLst>
-              <a:ext uri="{FF2B5EF4-FFF2-40B4-BE49-F238E27FC236}">
-                <a16:creationId xmlns:a16="http://schemas.microsoft.com/office/drawing/2014/main" id="{A1847EB9-614D-814E-97A9-F180B96AD65F}"/>
-              </a:ext>
-            </a:extLst>
-          </p:cNvPr>
-          <p:cNvPicPr>
-            <a:picLocks noChangeAspect="1"/>
-          </p:cNvPicPr>
+      <p:sp>
+        <p:nvSpPr>
+          <p:cNvPr id="3" name="Rectangle 2">
+            <a:extLst>
+              <a:ext uri="{FF2B5EF4-FFF2-40B4-BE49-F238E27FC236}">
+                <a16:creationId xmlns:a16="http://schemas.microsoft.com/office/drawing/2014/main" id="{8CEEB124-BDA1-0E4D-9CBB-06FA228E30DE}"/>
+              </a:ext>
+            </a:extLst>
+          </p:cNvPr>
+          <p:cNvSpPr/>
           <p:nvPr/>
-        </p:nvPicPr>
-        <p:blipFill>
-          <a:blip r:embed="rId6"/>
-          <a:stretch>
-            <a:fillRect/>
-          </a:stretch>
-        </p:blipFill>
-        <p:spPr>
-          <a:xfrm>
-            <a:off x="1778000" y="1085850"/>
-            <a:ext cx="8636000" cy="4686300"/>
+        </p:nvSpPr>
+        <p:spPr>
+          <a:xfrm>
+            <a:off x="3371431" y="129726"/>
+            <a:ext cx="4485202" cy="369332"/>
           </a:xfrm>
           <a:prstGeom prst="rect">
             <a:avLst/>
           </a:prstGeom>
         </p:spPr>
-      </p:pic>
+        <p:txBody>
+          <a:bodyPr wrap="none">
+            <a:spAutoFit/>
+          </a:bodyPr>
+          <a:lstStyle/>
+          <a:p>
+            <a:r>
+              <a:rPr lang="en-US" dirty="0">
+                <a:hlinkClick r:id="rId6"/>
+              </a:rPr>
+              <a:t>https://github.com/keptn-sandbox/alexa-skill</a:t>
+            </a:r>
+            <a:r>
+              <a:rPr lang="en-US" dirty="0"/>
+              <a:t> </a:t>
+            </a:r>
+          </a:p>
+        </p:txBody>
+      </p:sp>
     </p:spTree>
     <p:extLst>
       <p:ext uri="{BB962C8B-B14F-4D97-AF65-F5344CB8AC3E}">

--- a/images/images.pptx
+++ b/images/images.pptx
@@ -7,6 +7,7 @@
   <p:sldIdLst>
     <p:sldId id="256" r:id="rId2"/>
     <p:sldId id="257" r:id="rId3"/>
+    <p:sldId id="258" r:id="rId4"/>
   </p:sldIdLst>
   <p:sldSz cx="12192000" cy="6858000"/>
   <p:notesSz cx="6858000" cy="9144000"/>
@@ -260,7 +261,7 @@
           <a:p>
             <a:fld id="{AB042602-57F8-7241-843B-95AE051FEA21}" type="datetimeFigureOut">
               <a:rPr lang="en-US" smtClean="0"/>
-              <a:t>9/29/20</a:t>
+              <a:t>10/1/20</a:t>
             </a:fld>
             <a:endParaRPr lang="en-US"/>
           </a:p>
@@ -458,7 +459,7 @@
           <a:p>
             <a:fld id="{AB042602-57F8-7241-843B-95AE051FEA21}" type="datetimeFigureOut">
               <a:rPr lang="en-US" smtClean="0"/>
-              <a:t>9/29/20</a:t>
+              <a:t>10/1/20</a:t>
             </a:fld>
             <a:endParaRPr lang="en-US"/>
           </a:p>
@@ -666,7 +667,7 @@
           <a:p>
             <a:fld id="{AB042602-57F8-7241-843B-95AE051FEA21}" type="datetimeFigureOut">
               <a:rPr lang="en-US" smtClean="0"/>
-              <a:t>9/29/20</a:t>
+              <a:t>10/1/20</a:t>
             </a:fld>
             <a:endParaRPr lang="en-US"/>
           </a:p>
@@ -864,7 +865,7 @@
           <a:p>
             <a:fld id="{AB042602-57F8-7241-843B-95AE051FEA21}" type="datetimeFigureOut">
               <a:rPr lang="en-US" smtClean="0"/>
-              <a:t>9/29/20</a:t>
+              <a:t>10/1/20</a:t>
             </a:fld>
             <a:endParaRPr lang="en-US"/>
           </a:p>
@@ -1139,7 +1140,7 @@
           <a:p>
             <a:fld id="{AB042602-57F8-7241-843B-95AE051FEA21}" type="datetimeFigureOut">
               <a:rPr lang="en-US" smtClean="0"/>
-              <a:t>9/29/20</a:t>
+              <a:t>10/1/20</a:t>
             </a:fld>
             <a:endParaRPr lang="en-US"/>
           </a:p>
@@ -1404,7 +1405,7 @@
           <a:p>
             <a:fld id="{AB042602-57F8-7241-843B-95AE051FEA21}" type="datetimeFigureOut">
               <a:rPr lang="en-US" smtClean="0"/>
-              <a:t>9/29/20</a:t>
+              <a:t>10/1/20</a:t>
             </a:fld>
             <a:endParaRPr lang="en-US"/>
           </a:p>
@@ -1816,7 +1817,7 @@
           <a:p>
             <a:fld id="{AB042602-57F8-7241-843B-95AE051FEA21}" type="datetimeFigureOut">
               <a:rPr lang="en-US" smtClean="0"/>
-              <a:t>9/29/20</a:t>
+              <a:t>10/1/20</a:t>
             </a:fld>
             <a:endParaRPr lang="en-US"/>
           </a:p>
@@ -1957,7 +1958,7 @@
           <a:p>
             <a:fld id="{AB042602-57F8-7241-843B-95AE051FEA21}" type="datetimeFigureOut">
               <a:rPr lang="en-US" smtClean="0"/>
-              <a:t>9/29/20</a:t>
+              <a:t>10/1/20</a:t>
             </a:fld>
             <a:endParaRPr lang="en-US"/>
           </a:p>
@@ -2070,7 +2071,7 @@
           <a:p>
             <a:fld id="{AB042602-57F8-7241-843B-95AE051FEA21}" type="datetimeFigureOut">
               <a:rPr lang="en-US" smtClean="0"/>
-              <a:t>9/29/20</a:t>
+              <a:t>10/1/20</a:t>
             </a:fld>
             <a:endParaRPr lang="en-US"/>
           </a:p>
@@ -2381,7 +2382,7 @@
           <a:p>
             <a:fld id="{AB042602-57F8-7241-843B-95AE051FEA21}" type="datetimeFigureOut">
               <a:rPr lang="en-US" smtClean="0"/>
-              <a:t>9/29/20</a:t>
+              <a:t>10/1/20</a:t>
             </a:fld>
             <a:endParaRPr lang="en-US"/>
           </a:p>
@@ -2669,7 +2670,7 @@
           <a:p>
             <a:fld id="{AB042602-57F8-7241-843B-95AE051FEA21}" type="datetimeFigureOut">
               <a:rPr lang="en-US" smtClean="0"/>
-              <a:t>9/29/20</a:t>
+              <a:t>10/1/20</a:t>
             </a:fld>
             <a:endParaRPr lang="en-US"/>
           </a:p>
@@ -2910,7 +2911,7 @@
           <a:p>
             <a:fld id="{AB042602-57F8-7241-843B-95AE051FEA21}" type="datetimeFigureOut">
               <a:rPr lang="en-US" smtClean="0"/>
-              <a:t>9/29/20</a:t>
+              <a:t>10/1/20</a:t>
             </a:fld>
             <a:endParaRPr lang="en-US"/>
           </a:p>
@@ -5112,6 +5113,116 @@
 </p:sld>
 </file>
 
+<file path=ppt/slides/slide3.xml><?xml version="1.0" encoding="utf-8"?>
+<p:sld xmlns:a="http://schemas.openxmlformats.org/drawingml/2006/main" xmlns:r="http://schemas.openxmlformats.org/officeDocument/2006/relationships" xmlns:p="http://schemas.openxmlformats.org/presentationml/2006/main">
+  <p:cSld>
+    <p:spTree>
+      <p:nvGrpSpPr>
+        <p:cNvPr id="1" name=""/>
+        <p:cNvGrpSpPr/>
+        <p:nvPr/>
+      </p:nvGrpSpPr>
+      <p:grpSpPr>
+        <a:xfrm>
+          <a:off x="0" y="0"/>
+          <a:ext cx="0" cy="0"/>
+          <a:chOff x="0" y="0"/>
+          <a:chExt cx="0" cy="0"/>
+        </a:xfrm>
+      </p:grpSpPr>
+      <p:sp>
+        <p:nvSpPr>
+          <p:cNvPr id="2" name="Title 1">
+            <a:extLst>
+              <a:ext uri="{FF2B5EF4-FFF2-40B4-BE49-F238E27FC236}">
+                <a16:creationId xmlns:a16="http://schemas.microsoft.com/office/drawing/2014/main" id="{3D6D62AD-C5F2-2747-805D-D8765ADC7A50}"/>
+              </a:ext>
+            </a:extLst>
+          </p:cNvPr>
+          <p:cNvSpPr>
+            <a:spLocks noGrp="1"/>
+          </p:cNvSpPr>
+          <p:nvPr>
+            <p:ph type="title"/>
+          </p:nvPr>
+        </p:nvSpPr>
+        <p:spPr/>
+        <p:txBody>
+          <a:bodyPr/>
+          <a:lstStyle/>
+          <a:p>
+            <a:endParaRPr lang="en-US"/>
+          </a:p>
+        </p:txBody>
+      </p:sp>
+      <p:sp>
+        <p:nvSpPr>
+          <p:cNvPr id="3" name="Content Placeholder 2">
+            <a:extLst>
+              <a:ext uri="{FF2B5EF4-FFF2-40B4-BE49-F238E27FC236}">
+                <a16:creationId xmlns:a16="http://schemas.microsoft.com/office/drawing/2014/main" id="{48F265F2-A9F8-4E4B-A5AD-3A279CC32628}"/>
+              </a:ext>
+            </a:extLst>
+          </p:cNvPr>
+          <p:cNvSpPr>
+            <a:spLocks noGrp="1"/>
+          </p:cNvSpPr>
+          <p:nvPr>
+            <p:ph idx="1"/>
+          </p:nvPr>
+        </p:nvSpPr>
+        <p:spPr/>
+        <p:txBody>
+          <a:bodyPr/>
+          <a:lstStyle/>
+          <a:p>
+            <a:endParaRPr lang="en-US"/>
+          </a:p>
+        </p:txBody>
+      </p:sp>
+      <p:pic>
+        <p:nvPicPr>
+          <p:cNvPr id="4" name="Picture 3">
+            <a:extLst>
+              <a:ext uri="{FF2B5EF4-FFF2-40B4-BE49-F238E27FC236}">
+                <a16:creationId xmlns:a16="http://schemas.microsoft.com/office/drawing/2014/main" id="{839C4820-2D5D-A54C-AC13-171EF61573C7}"/>
+              </a:ext>
+            </a:extLst>
+          </p:cNvPr>
+          <p:cNvPicPr>
+            <a:picLocks noChangeAspect="1"/>
+          </p:cNvPicPr>
+          <p:nvPr/>
+        </p:nvPicPr>
+        <p:blipFill>
+          <a:blip r:embed="rId2"/>
+          <a:stretch>
+            <a:fillRect/>
+          </a:stretch>
+        </p:blipFill>
+        <p:spPr>
+          <a:xfrm>
+            <a:off x="698499" y="111125"/>
+            <a:ext cx="5487369" cy="3429000"/>
+          </a:xfrm>
+          <a:prstGeom prst="rect">
+            <a:avLst/>
+          </a:prstGeom>
+        </p:spPr>
+      </p:pic>
+    </p:spTree>
+    <p:extLst>
+      <p:ext uri="{BB962C8B-B14F-4D97-AF65-F5344CB8AC3E}">
+        <p14:creationId xmlns:p14="http://schemas.microsoft.com/office/powerpoint/2010/main" val="103797722"/>
+      </p:ext>
+    </p:extLst>
+  </p:cSld>
+  <p:clrMapOvr>
+    <a:masterClrMapping/>
+  </p:clrMapOvr>
+</p:sld>
+</file>
+
 <file path=ppt/theme/theme1.xml><?xml version="1.0" encoding="utf-8"?>
 <a:theme xmlns:a="http://schemas.openxmlformats.org/drawingml/2006/main" name="Office Theme">
   <a:themeElements>
